--- a/assets/slide/RadixSort.pptx
+++ b/assets/slide/RadixSort.pptx
@@ -8926,7 +8926,7 @@
                 </a:solidFill>
                 <a:hlinkClick r:id="rId3"/>
               </a:rPr>
-              <a:t>Código completo encontra-se no Github. Link aqui.</a:t>
+              <a:t>Código completo e Gif encontram-se no Github. Link aqui.</a:t>
             </a:r>
             <a:endParaRPr sz="2000"/>
           </a:p>
@@ -10119,9 +10119,9 @@
 </file>
 
 <file path=ppt/theme/theme1.xml><?xml version="1.0" encoding="utf-8"?>
-<a:theme xmlns:a="http://schemas.openxmlformats.org/drawingml/2006/main" xmlns:r="http://schemas.openxmlformats.org/officeDocument/2006/relationships" name="POI_THEME_TEMPLATE_DESIGN">
+<a:theme xmlns:a="http://schemas.openxmlformats.org/drawingml/2006/main" xmlns:r="http://schemas.openxmlformats.org/officeDocument/2006/relationships">
   <a:themeElements>
-    <a:clrScheme name="POI_THEME_TEMPLATE_DESIGN">
+    <a:clrScheme name="Default">
       <a:dk1>
         <a:srgbClr val="000000"/>
       </a:dk1>
@@ -10129,34 +10129,34 @@
         <a:srgbClr val="FFFFFF"/>
       </a:lt1>
       <a:dk2>
-        <a:srgbClr val="000000"/>
+        <a:srgbClr val="158158"/>
       </a:dk2>
       <a:lt2>
-        <a:srgbClr val="808080"/>
+        <a:srgbClr val="F3F3F3"/>
       </a:lt2>
       <a:accent1>
-        <a:srgbClr val="00CC99"/>
+        <a:srgbClr val="058DC7"/>
       </a:accent1>
       <a:accent2>
-        <a:srgbClr val="3333CC"/>
+        <a:srgbClr val="50B432"/>
       </a:accent2>
       <a:accent3>
-        <a:srgbClr val="FFFFFF"/>
+        <a:srgbClr val="ED561B"/>
       </a:accent3>
       <a:accent4>
-        <a:srgbClr val="00CC99"/>
+        <a:srgbClr val="EDEF00"/>
       </a:accent4>
       <a:accent5>
-        <a:srgbClr val="3333CC"/>
+        <a:srgbClr val="24CBE5"/>
       </a:accent5>
       <a:accent6>
-        <a:srgbClr val="FFFFFF"/>
+        <a:srgbClr val="64E572"/>
       </a:accent6>
       <a:hlink>
-        <a:srgbClr val="CCCCFF"/>
+        <a:srgbClr val="2200CC"/>
       </a:hlink>
       <a:folHlink>
-        <a:srgbClr val="B2B2B2"/>
+        <a:srgbClr val="551A8B"/>
       </a:folHlink>
     </a:clrScheme>
     <a:fontScheme name="Office">
@@ -10677,9 +10677,9 @@
 </file>
 
 <file path=ppt/theme/theme3.xml><?xml version="1.0" encoding="utf-8"?>
-<a:theme xmlns:a="http://schemas.openxmlformats.org/drawingml/2006/main" xmlns:r="http://schemas.openxmlformats.org/officeDocument/2006/relationships">
+<a:theme xmlns:a="http://schemas.openxmlformats.org/drawingml/2006/main" xmlns:r="http://schemas.openxmlformats.org/officeDocument/2006/relationships" name="POI_THEME_TEMPLATE_DESIGN">
   <a:themeElements>
-    <a:clrScheme name="Default">
+    <a:clrScheme name="POI_THEME_TEMPLATE_DESIGN">
       <a:dk1>
         <a:srgbClr val="000000"/>
       </a:dk1>
@@ -10687,34 +10687,34 @@
         <a:srgbClr val="FFFFFF"/>
       </a:lt1>
       <a:dk2>
-        <a:srgbClr val="158158"/>
+        <a:srgbClr val="000000"/>
       </a:dk2>
       <a:lt2>
-        <a:srgbClr val="F3F3F3"/>
+        <a:srgbClr val="808080"/>
       </a:lt2>
       <a:accent1>
-        <a:srgbClr val="058DC7"/>
+        <a:srgbClr val="00CC99"/>
       </a:accent1>
       <a:accent2>
-        <a:srgbClr val="50B432"/>
+        <a:srgbClr val="3333CC"/>
       </a:accent2>
       <a:accent3>
-        <a:srgbClr val="ED561B"/>
+        <a:srgbClr val="FFFFFF"/>
       </a:accent3>
       <a:accent4>
-        <a:srgbClr val="EDEF00"/>
+        <a:srgbClr val="00CC99"/>
       </a:accent4>
       <a:accent5>
-        <a:srgbClr val="24CBE5"/>
+        <a:srgbClr val="3333CC"/>
       </a:accent5>
       <a:accent6>
-        <a:srgbClr val="64E572"/>
+        <a:srgbClr val="FFFFFF"/>
       </a:accent6>
       <a:hlink>
-        <a:srgbClr val="2200CC"/>
+        <a:srgbClr val="CCCCFF"/>
       </a:hlink>
       <a:folHlink>
-        <a:srgbClr val="551A8B"/>
+        <a:srgbClr val="B2B2B2"/>
       </a:folHlink>
     </a:clrScheme>
     <a:fontScheme name="Office">
